--- a/Week 1 -- Likelihoods and linear models/Lecture 1/Lecture 1 -- Linear models.pptx
+++ b/Week 1 -- Likelihoods and linear models/Lecture 1/Lecture 1 -- Linear models.pptx
@@ -35,7 +35,7 @@
     <p:sldId id="294" r:id="rId26"/>
   </p:sldIdLst>
   <p:sldSz cx="9144000" cy="6858000" type="screen4x3"/>
-  <p:notesSz cx="7315200" cy="9601200"/>
+  <p:notesSz cx="6858000" cy="9144000"/>
   <p:defaultTextStyle>
     <a:defPPr>
       <a:defRPr lang="en-US"/>
@@ -174,17 +174,17 @@
         <p:spPr>
           <a:xfrm>
             <a:off x="0" y="0"/>
-            <a:ext cx="3169920" cy="481727"/>
+            <a:ext cx="2971800" cy="458788"/>
           </a:xfrm>
           <a:prstGeom prst="rect">
             <a:avLst/>
           </a:prstGeom>
         </p:spPr>
         <p:txBody>
-          <a:bodyPr vert="horz" lIns="96661" tIns="48331" rIns="96661" bIns="48331" rtlCol="0"/>
+          <a:bodyPr vert="horz" lIns="91440" tIns="45720" rIns="91440" bIns="45720" rtlCol="0"/>
           <a:lstStyle>
             <a:lvl1pPr algn="l">
-              <a:defRPr sz="1300"/>
+              <a:defRPr sz="1200"/>
             </a:lvl1pPr>
           </a:lstStyle>
           <a:p>
@@ -204,18 +204,18 @@
         </p:nvSpPr>
         <p:spPr>
           <a:xfrm>
-            <a:off x="4143587" y="0"/>
-            <a:ext cx="3169920" cy="481727"/>
+            <a:off x="3884613" y="0"/>
+            <a:ext cx="2971800" cy="458788"/>
           </a:xfrm>
           <a:prstGeom prst="rect">
             <a:avLst/>
           </a:prstGeom>
         </p:spPr>
         <p:txBody>
-          <a:bodyPr vert="horz" lIns="96661" tIns="48331" rIns="96661" bIns="48331" rtlCol="0"/>
+          <a:bodyPr vert="horz" lIns="91440" tIns="45720" rIns="91440" bIns="45720" rtlCol="0"/>
           <a:lstStyle>
             <a:lvl1pPr algn="r">
-              <a:defRPr sz="1300"/>
+              <a:defRPr sz="1200"/>
             </a:lvl1pPr>
           </a:lstStyle>
           <a:p>
@@ -239,8 +239,8 @@
         </p:nvSpPr>
         <p:spPr>
           <a:xfrm>
-            <a:off x="1497013" y="1200150"/>
-            <a:ext cx="4321175" cy="3240088"/>
+            <a:off x="1371600" y="1143000"/>
+            <a:ext cx="4114800" cy="3086100"/>
           </a:xfrm>
           <a:prstGeom prst="rect">
             <a:avLst/>
@@ -253,7 +253,7 @@
           </a:ln>
         </p:spPr>
         <p:txBody>
-          <a:bodyPr vert="horz" lIns="96661" tIns="48331" rIns="96661" bIns="48331" rtlCol="0" anchor="ctr"/>
+          <a:bodyPr vert="horz" lIns="91440" tIns="45720" rIns="91440" bIns="45720" rtlCol="0" anchor="ctr"/>
           <a:lstStyle/>
           <a:p>
             <a:endParaRPr lang="en-US"/>
@@ -272,15 +272,15 @@
         </p:nvSpPr>
         <p:spPr>
           <a:xfrm>
-            <a:off x="731520" y="4620577"/>
-            <a:ext cx="5852160" cy="3780473"/>
+            <a:off x="685800" y="4400550"/>
+            <a:ext cx="5486400" cy="3600450"/>
           </a:xfrm>
           <a:prstGeom prst="rect">
             <a:avLst/>
           </a:prstGeom>
         </p:spPr>
         <p:txBody>
-          <a:bodyPr vert="horz" lIns="96661" tIns="48331" rIns="96661" bIns="48331" rtlCol="0"/>
+          <a:bodyPr vert="horz" lIns="91440" tIns="45720" rIns="91440" bIns="45720" rtlCol="0"/>
           <a:lstStyle/>
           <a:p>
             <a:pPr lvl="0"/>
@@ -332,18 +332,18 @@
         </p:nvSpPr>
         <p:spPr>
           <a:xfrm>
-            <a:off x="0" y="9119474"/>
-            <a:ext cx="3169920" cy="481726"/>
+            <a:off x="0" y="8685213"/>
+            <a:ext cx="2971800" cy="458787"/>
           </a:xfrm>
           <a:prstGeom prst="rect">
             <a:avLst/>
           </a:prstGeom>
         </p:spPr>
         <p:txBody>
-          <a:bodyPr vert="horz" lIns="96661" tIns="48331" rIns="96661" bIns="48331" rtlCol="0" anchor="b"/>
+          <a:bodyPr vert="horz" lIns="91440" tIns="45720" rIns="91440" bIns="45720" rtlCol="0" anchor="b"/>
           <a:lstStyle>
             <a:lvl1pPr algn="l">
-              <a:defRPr sz="1300"/>
+              <a:defRPr sz="1200"/>
             </a:lvl1pPr>
           </a:lstStyle>
           <a:p>
@@ -363,18 +363,18 @@
         </p:nvSpPr>
         <p:spPr>
           <a:xfrm>
-            <a:off x="4143587" y="9119474"/>
-            <a:ext cx="3169920" cy="481726"/>
+            <a:off x="3884613" y="8685213"/>
+            <a:ext cx="2971800" cy="458787"/>
           </a:xfrm>
           <a:prstGeom prst="rect">
             <a:avLst/>
           </a:prstGeom>
         </p:spPr>
         <p:txBody>
-          <a:bodyPr vert="horz" lIns="96661" tIns="48331" rIns="96661" bIns="48331" rtlCol="0" anchor="b"/>
+          <a:bodyPr vert="horz" lIns="91440" tIns="45720" rIns="91440" bIns="45720" rtlCol="0" anchor="b"/>
           <a:lstStyle>
             <a:lvl1pPr algn="r">
-              <a:defRPr sz="1300"/>
+              <a:defRPr sz="1200"/>
             </a:lvl1pPr>
           </a:lstStyle>
           <a:p>
@@ -487,6 +487,507 @@
     </a:lvl9pPr>
   </p:notesStyle>
 </p:notesMaster>
+</file>
+
+<file path=ppt/notesSlides/notesSlide1.xml><?xml version="1.0" encoding="utf-8"?>
+<p:notes xmlns:a="http://schemas.openxmlformats.org/drawingml/2006/main" xmlns:r="http://schemas.openxmlformats.org/officeDocument/2006/relationships" xmlns:p="http://schemas.openxmlformats.org/presentationml/2006/main">
+  <p:cSld>
+    <p:spTree>
+      <p:nvGrpSpPr>
+        <p:cNvPr id="1" name=""/>
+        <p:cNvGrpSpPr/>
+        <p:nvPr/>
+      </p:nvGrpSpPr>
+      <p:grpSpPr>
+        <a:xfrm>
+          <a:off x="0" y="0"/>
+          <a:ext cx="0" cy="0"/>
+          <a:chOff x="0" y="0"/>
+          <a:chExt cx="0" cy="0"/>
+        </a:xfrm>
+      </p:grpSpPr>
+      <p:sp>
+        <p:nvSpPr>
+          <p:cNvPr id="2" name="Slide Image Placeholder 1"/>
+          <p:cNvSpPr>
+            <a:spLocks noGrp="1" noRot="1" noChangeAspect="1"/>
+          </p:cNvSpPr>
+          <p:nvPr>
+            <p:ph type="sldImg"/>
+          </p:nvPr>
+        </p:nvSpPr>
+        <p:spPr/>
+      </p:sp>
+      <p:sp>
+        <p:nvSpPr>
+          <p:cNvPr id="3" name="Notes Placeholder 2"/>
+          <p:cNvSpPr>
+            <a:spLocks noGrp="1"/>
+          </p:cNvSpPr>
+          <p:nvPr>
+            <p:ph type="body" idx="1"/>
+          </p:nvPr>
+        </p:nvSpPr>
+        <p:spPr/>
+        <p:txBody>
+          <a:bodyPr/>
+          <a:lstStyle/>
+          <a:p>
+            <a:r>
+              <a:rPr lang="en-US" dirty="0" smtClean="0"/>
+              <a:t>2</a:t>
+            </a:r>
+            <a:r>
+              <a:rPr lang="en-US" baseline="30000" dirty="0" smtClean="0"/>
+              <a:t>nd</a:t>
+            </a:r>
+            <a:r>
+              <a:rPr lang="en-US" dirty="0" smtClean="0"/>
+              <a:t> order differentiation in whatever order you want</a:t>
+            </a:r>
+            <a:endParaRPr lang="en-US" dirty="0"/>
+          </a:p>
+        </p:txBody>
+      </p:sp>
+      <p:sp>
+        <p:nvSpPr>
+          <p:cNvPr id="4" name="Slide Number Placeholder 3"/>
+          <p:cNvSpPr>
+            <a:spLocks noGrp="1"/>
+          </p:cNvSpPr>
+          <p:nvPr>
+            <p:ph type="sldNum" sz="quarter" idx="10"/>
+          </p:nvPr>
+        </p:nvSpPr>
+        <p:spPr/>
+        <p:txBody>
+          <a:bodyPr/>
+          <a:lstStyle/>
+          <a:p>
+            <a:fld id="{DCDC1745-AA19-4253-83E6-9EAE9D7EFFC9}" type="slidenum">
+              <a:rPr lang="en-US" smtClean="0"/>
+              <a:t>4</a:t>
+            </a:fld>
+            <a:endParaRPr lang="en-US"/>
+          </a:p>
+        </p:txBody>
+      </p:sp>
+    </p:spTree>
+    <p:extLst>
+      <p:ext uri="{BB962C8B-B14F-4D97-AF65-F5344CB8AC3E}">
+        <p14:creationId xmlns:p14="http://schemas.microsoft.com/office/powerpoint/2010/main" val="901409877"/>
+      </p:ext>
+    </p:extLst>
+  </p:cSld>
+  <p:clrMapOvr>
+    <a:masterClrMapping/>
+  </p:clrMapOvr>
+</p:notes>
+</file>
+
+<file path=ppt/notesSlides/notesSlide2.xml><?xml version="1.0" encoding="utf-8"?>
+<p:notes xmlns:a="http://schemas.openxmlformats.org/drawingml/2006/main" xmlns:r="http://schemas.openxmlformats.org/officeDocument/2006/relationships" xmlns:p="http://schemas.openxmlformats.org/presentationml/2006/main">
+  <p:cSld>
+    <p:spTree>
+      <p:nvGrpSpPr>
+        <p:cNvPr id="1" name=""/>
+        <p:cNvGrpSpPr/>
+        <p:nvPr/>
+      </p:nvGrpSpPr>
+      <p:grpSpPr>
+        <a:xfrm>
+          <a:off x="0" y="0"/>
+          <a:ext cx="0" cy="0"/>
+          <a:chOff x="0" y="0"/>
+          <a:chExt cx="0" cy="0"/>
+        </a:xfrm>
+      </p:grpSpPr>
+      <p:sp>
+        <p:nvSpPr>
+          <p:cNvPr id="2" name="Slide Image Placeholder 1"/>
+          <p:cNvSpPr>
+            <a:spLocks noGrp="1" noRot="1" noChangeAspect="1"/>
+          </p:cNvSpPr>
+          <p:nvPr>
+            <p:ph type="sldImg"/>
+          </p:nvPr>
+        </p:nvSpPr>
+        <p:spPr/>
+      </p:sp>
+      <p:sp>
+        <p:nvSpPr>
+          <p:cNvPr id="3" name="Notes Placeholder 2"/>
+          <p:cNvSpPr>
+            <a:spLocks noGrp="1"/>
+          </p:cNvSpPr>
+          <p:nvPr>
+            <p:ph type="body" idx="1"/>
+          </p:nvPr>
+        </p:nvSpPr>
+        <p:spPr/>
+        <p:txBody>
+          <a:bodyPr/>
+          <a:lstStyle/>
+          <a:p>
+            <a:endParaRPr lang="en-US"/>
+          </a:p>
+        </p:txBody>
+      </p:sp>
+      <p:sp>
+        <p:nvSpPr>
+          <p:cNvPr id="4" name="Slide Number Placeholder 3"/>
+          <p:cNvSpPr>
+            <a:spLocks noGrp="1"/>
+          </p:cNvSpPr>
+          <p:nvPr>
+            <p:ph type="sldNum" sz="quarter" idx="10"/>
+          </p:nvPr>
+        </p:nvSpPr>
+        <p:spPr/>
+        <p:txBody>
+          <a:bodyPr/>
+          <a:lstStyle/>
+          <a:p>
+            <a:fld id="{DCDC1745-AA19-4253-83E6-9EAE9D7EFFC9}" type="slidenum">
+              <a:rPr lang="en-US" smtClean="0"/>
+              <a:t>6</a:t>
+            </a:fld>
+            <a:endParaRPr lang="en-US"/>
+          </a:p>
+        </p:txBody>
+      </p:sp>
+    </p:spTree>
+    <p:extLst>
+      <p:ext uri="{BB962C8B-B14F-4D97-AF65-F5344CB8AC3E}">
+        <p14:creationId xmlns:p14="http://schemas.microsoft.com/office/powerpoint/2010/main" val="2260579888"/>
+      </p:ext>
+    </p:extLst>
+  </p:cSld>
+  <p:clrMapOvr>
+    <a:masterClrMapping/>
+  </p:clrMapOvr>
+</p:notes>
+</file>
+
+<file path=ppt/notesSlides/notesSlide3.xml><?xml version="1.0" encoding="utf-8"?>
+<p:notes xmlns:a="http://schemas.openxmlformats.org/drawingml/2006/main" xmlns:r="http://schemas.openxmlformats.org/officeDocument/2006/relationships" xmlns:p="http://schemas.openxmlformats.org/presentationml/2006/main">
+  <p:cSld>
+    <p:spTree>
+      <p:nvGrpSpPr>
+        <p:cNvPr id="1" name=""/>
+        <p:cNvGrpSpPr/>
+        <p:nvPr/>
+      </p:nvGrpSpPr>
+      <p:grpSpPr>
+        <a:xfrm>
+          <a:off x="0" y="0"/>
+          <a:ext cx="0" cy="0"/>
+          <a:chOff x="0" y="0"/>
+          <a:chExt cx="0" cy="0"/>
+        </a:xfrm>
+      </p:grpSpPr>
+      <p:sp>
+        <p:nvSpPr>
+          <p:cNvPr id="2" name="Slide Image Placeholder 1"/>
+          <p:cNvSpPr>
+            <a:spLocks noGrp="1" noRot="1" noChangeAspect="1"/>
+          </p:cNvSpPr>
+          <p:nvPr>
+            <p:ph type="sldImg"/>
+          </p:nvPr>
+        </p:nvSpPr>
+        <p:spPr/>
+      </p:sp>
+      <p:sp>
+        <p:nvSpPr>
+          <p:cNvPr id="3" name="Notes Placeholder 2"/>
+          <p:cNvSpPr>
+            <a:spLocks noGrp="1"/>
+          </p:cNvSpPr>
+          <p:nvPr>
+            <p:ph type="body" idx="1"/>
+          </p:nvPr>
+        </p:nvSpPr>
+        <p:spPr/>
+        <p:txBody>
+          <a:bodyPr/>
+          <a:lstStyle/>
+          <a:p>
+            <a:r>
+              <a:rPr lang="en-US" dirty="0" smtClean="0"/>
+              <a:t>Distribution</a:t>
+            </a:r>
+            <a:r>
+              <a:rPr lang="en-US" baseline="0" dirty="0" smtClean="0"/>
+              <a:t> of where fish might go</a:t>
+            </a:r>
+          </a:p>
+          <a:p>
+            <a:r>
+              <a:rPr lang="en-US" baseline="0" dirty="0" smtClean="0"/>
+              <a:t>Larvae could be </a:t>
+            </a:r>
+            <a:r>
+              <a:rPr lang="en-US" baseline="0" dirty="0" err="1" smtClean="0"/>
+              <a:t>advected</a:t>
+            </a:r>
+            <a:r>
+              <a:rPr lang="en-US" baseline="0" dirty="0" smtClean="0"/>
+              <a:t> to 3 states (CA, OR, WA)</a:t>
+            </a:r>
+          </a:p>
+          <a:p>
+            <a:r>
+              <a:rPr lang="en-US" baseline="0" dirty="0" smtClean="0"/>
+              <a:t>Marginal probability of larvae going to each place</a:t>
+            </a:r>
+          </a:p>
+          <a:p>
+            <a:r>
+              <a:rPr lang="en-US" baseline="0" dirty="0" smtClean="0"/>
+              <a:t>Conditional probability of dying given it goes to each place</a:t>
+            </a:r>
+          </a:p>
+          <a:p>
+            <a:r>
+              <a:rPr lang="en-US" baseline="0" dirty="0" smtClean="0"/>
+              <a:t>Joint probability of individual being </a:t>
+            </a:r>
+            <a:r>
+              <a:rPr lang="en-US" baseline="0" dirty="0" smtClean="0"/>
+              <a:t>alive</a:t>
+            </a:r>
+          </a:p>
+          <a:p>
+            <a:endParaRPr lang="en-US" baseline="0" dirty="0" smtClean="0"/>
+          </a:p>
+          <a:p>
+            <a:r>
+              <a:rPr lang="en-US" baseline="0" dirty="0" smtClean="0"/>
+              <a:t>If the marginal probabilities are independent, then you can estimate them without integrating</a:t>
+            </a:r>
+          </a:p>
+          <a:p>
+            <a:r>
+              <a:rPr lang="en-US" baseline="0" dirty="0" smtClean="0"/>
+              <a:t>If the probabilities are not independent, need to integrate across the joint probability</a:t>
+            </a:r>
+            <a:endParaRPr lang="en-US" dirty="0"/>
+          </a:p>
+        </p:txBody>
+      </p:sp>
+      <p:sp>
+        <p:nvSpPr>
+          <p:cNvPr id="4" name="Slide Number Placeholder 3"/>
+          <p:cNvSpPr>
+            <a:spLocks noGrp="1"/>
+          </p:cNvSpPr>
+          <p:nvPr>
+            <p:ph type="sldNum" sz="quarter" idx="10"/>
+          </p:nvPr>
+        </p:nvSpPr>
+        <p:spPr/>
+        <p:txBody>
+          <a:bodyPr/>
+          <a:lstStyle/>
+          <a:p>
+            <a:fld id="{DCDC1745-AA19-4253-83E6-9EAE9D7EFFC9}" type="slidenum">
+              <a:rPr lang="en-US" smtClean="0"/>
+              <a:t>7</a:t>
+            </a:fld>
+            <a:endParaRPr lang="en-US"/>
+          </a:p>
+        </p:txBody>
+      </p:sp>
+    </p:spTree>
+    <p:extLst>
+      <p:ext uri="{BB962C8B-B14F-4D97-AF65-F5344CB8AC3E}">
+        <p14:creationId xmlns:p14="http://schemas.microsoft.com/office/powerpoint/2010/main" val="2384257898"/>
+      </p:ext>
+    </p:extLst>
+  </p:cSld>
+  <p:clrMapOvr>
+    <a:masterClrMapping/>
+  </p:clrMapOvr>
+</p:notes>
+</file>
+
+<file path=ppt/notesSlides/notesSlide4.xml><?xml version="1.0" encoding="utf-8"?>
+<p:notes xmlns:a="http://schemas.openxmlformats.org/drawingml/2006/main" xmlns:r="http://schemas.openxmlformats.org/officeDocument/2006/relationships" xmlns:p="http://schemas.openxmlformats.org/presentationml/2006/main">
+  <p:cSld>
+    <p:spTree>
+      <p:nvGrpSpPr>
+        <p:cNvPr id="1" name=""/>
+        <p:cNvGrpSpPr/>
+        <p:nvPr/>
+      </p:nvGrpSpPr>
+      <p:grpSpPr>
+        <a:xfrm>
+          <a:off x="0" y="0"/>
+          <a:ext cx="0" cy="0"/>
+          <a:chOff x="0" y="0"/>
+          <a:chExt cx="0" cy="0"/>
+        </a:xfrm>
+      </p:grpSpPr>
+      <p:sp>
+        <p:nvSpPr>
+          <p:cNvPr id="2" name="Slide Image Placeholder 1"/>
+          <p:cNvSpPr>
+            <a:spLocks noGrp="1" noRot="1" noChangeAspect="1"/>
+          </p:cNvSpPr>
+          <p:nvPr>
+            <p:ph type="sldImg"/>
+          </p:nvPr>
+        </p:nvSpPr>
+        <p:spPr/>
+      </p:sp>
+      <p:sp>
+        <p:nvSpPr>
+          <p:cNvPr id="3" name="Notes Placeholder 2"/>
+          <p:cNvSpPr>
+            <a:spLocks noGrp="1"/>
+          </p:cNvSpPr>
+          <p:nvPr>
+            <p:ph type="body" idx="1"/>
+          </p:nvPr>
+        </p:nvSpPr>
+        <p:spPr/>
+        <p:txBody>
+          <a:bodyPr/>
+          <a:lstStyle/>
+          <a:p>
+            <a:r>
+              <a:rPr lang="en-US" dirty="0" smtClean="0"/>
+              <a:t>Prediction – prime</a:t>
+            </a:r>
+          </a:p>
+          <a:p>
+            <a:r>
+              <a:rPr lang="en-US" dirty="0" smtClean="0"/>
+              <a:t>Tilda – probability distribution for the data</a:t>
+            </a:r>
+            <a:endParaRPr lang="en-US" dirty="0"/>
+          </a:p>
+        </p:txBody>
+      </p:sp>
+      <p:sp>
+        <p:nvSpPr>
+          <p:cNvPr id="4" name="Slide Number Placeholder 3"/>
+          <p:cNvSpPr>
+            <a:spLocks noGrp="1"/>
+          </p:cNvSpPr>
+          <p:nvPr>
+            <p:ph type="sldNum" sz="quarter" idx="10"/>
+          </p:nvPr>
+        </p:nvSpPr>
+        <p:spPr/>
+        <p:txBody>
+          <a:bodyPr/>
+          <a:lstStyle/>
+          <a:p>
+            <a:fld id="{DCDC1745-AA19-4253-83E6-9EAE9D7EFFC9}" type="slidenum">
+              <a:rPr lang="en-US" smtClean="0"/>
+              <a:t>8</a:t>
+            </a:fld>
+            <a:endParaRPr lang="en-US"/>
+          </a:p>
+        </p:txBody>
+      </p:sp>
+    </p:spTree>
+    <p:extLst>
+      <p:ext uri="{BB962C8B-B14F-4D97-AF65-F5344CB8AC3E}">
+        <p14:creationId xmlns:p14="http://schemas.microsoft.com/office/powerpoint/2010/main" val="2786849100"/>
+      </p:ext>
+    </p:extLst>
+  </p:cSld>
+  <p:clrMapOvr>
+    <a:masterClrMapping/>
+  </p:clrMapOvr>
+</p:notes>
+</file>
+
+<file path=ppt/notesSlides/notesSlide5.xml><?xml version="1.0" encoding="utf-8"?>
+<p:notes xmlns:a="http://schemas.openxmlformats.org/drawingml/2006/main" xmlns:r="http://schemas.openxmlformats.org/officeDocument/2006/relationships" xmlns:p="http://schemas.openxmlformats.org/presentationml/2006/main">
+  <p:cSld>
+    <p:spTree>
+      <p:nvGrpSpPr>
+        <p:cNvPr id="1" name=""/>
+        <p:cNvGrpSpPr/>
+        <p:nvPr/>
+      </p:nvGrpSpPr>
+      <p:grpSpPr>
+        <a:xfrm>
+          <a:off x="0" y="0"/>
+          <a:ext cx="0" cy="0"/>
+          <a:chOff x="0" y="0"/>
+          <a:chExt cx="0" cy="0"/>
+        </a:xfrm>
+      </p:grpSpPr>
+      <p:sp>
+        <p:nvSpPr>
+          <p:cNvPr id="2" name="Slide Image Placeholder 1"/>
+          <p:cNvSpPr>
+            <a:spLocks noGrp="1" noRot="1" noChangeAspect="1"/>
+          </p:cNvSpPr>
+          <p:nvPr>
+            <p:ph type="sldImg"/>
+          </p:nvPr>
+        </p:nvSpPr>
+        <p:spPr/>
+      </p:sp>
+      <p:sp>
+        <p:nvSpPr>
+          <p:cNvPr id="3" name="Notes Placeholder 2"/>
+          <p:cNvSpPr>
+            <a:spLocks noGrp="1"/>
+          </p:cNvSpPr>
+          <p:nvPr>
+            <p:ph type="body" idx="1"/>
+          </p:nvPr>
+        </p:nvSpPr>
+        <p:spPr/>
+        <p:txBody>
+          <a:bodyPr/>
+          <a:lstStyle/>
+          <a:p>
+            <a:endParaRPr lang="en-US" dirty="0"/>
+          </a:p>
+        </p:txBody>
+      </p:sp>
+      <p:sp>
+        <p:nvSpPr>
+          <p:cNvPr id="4" name="Slide Number Placeholder 3"/>
+          <p:cNvSpPr>
+            <a:spLocks noGrp="1"/>
+          </p:cNvSpPr>
+          <p:nvPr>
+            <p:ph type="sldNum" sz="quarter" idx="10"/>
+          </p:nvPr>
+        </p:nvSpPr>
+        <p:spPr/>
+        <p:txBody>
+          <a:bodyPr/>
+          <a:lstStyle/>
+          <a:p>
+            <a:fld id="{DCDC1745-AA19-4253-83E6-9EAE9D7EFFC9}" type="slidenum">
+              <a:rPr lang="en-US" smtClean="0"/>
+              <a:t>9</a:t>
+            </a:fld>
+            <a:endParaRPr lang="en-US"/>
+          </a:p>
+        </p:txBody>
+      </p:sp>
+    </p:spTree>
+    <p:extLst>
+      <p:ext uri="{BB962C8B-B14F-4D97-AF65-F5344CB8AC3E}">
+        <p14:creationId xmlns:p14="http://schemas.microsoft.com/office/powerpoint/2010/main" val="1910080477"/>
+      </p:ext>
+    </p:extLst>
+  </p:cSld>
+  <p:clrMapOvr>
+    <a:masterClrMapping/>
+  </p:clrMapOvr>
+</p:notes>
 </file>
 
 <file path=ppt/slideLayouts/slideLayout1.xml><?xml version="1.0" encoding="utf-8"?>
@@ -9271,7 +9772,7 @@
           <a:graphicData uri="http://schemas.openxmlformats.org/presentationml/2006/ole">
             <mc:AlternateContent xmlns:mc="http://schemas.openxmlformats.org/markup-compatibility/2006">
               <mc:Choice xmlns:v="urn:schemas-microsoft-com:vml" Requires="v">
-                <p:oleObj spid="_x0000_s3136" name="Equation" r:id="rId4" imgW="914400" imgH="291960" progId="Equation.DSMT4">
+                <p:oleObj spid="_x0000_s3137" name="Equation" r:id="rId4" imgW="914400" imgH="291960" progId="Equation.DSMT4">
                   <p:embed/>
                 </p:oleObj>
               </mc:Choice>
@@ -11545,7 +12046,7 @@
             </p:nvSpPr>
             <p:spPr>
               <a:blipFill>
-                <a:blip r:embed="rId2"/>
+                <a:blip r:embed="rId3"/>
                 <a:stretch>
                   <a:fillRect l="-1763" t="-2154"/>
                 </a:stretch>
@@ -12003,13 +12504,6 @@
   <p:clrMapOvr>
     <a:masterClrMapping/>
   </p:clrMapOvr>
-  <p:timing>
-    <p:tnLst>
-      <p:par>
-        <p:cTn id="1" dur="indefinite" restart="never" nodeType="tmRoot"/>
-      </p:par>
-    </p:tnLst>
-  </p:timing>
 </p:sld>
 </file>
 
@@ -12049,8 +12543,8 @@
           </a:p>
         </p:txBody>
       </p:sp>
-      <mc:AlternateContent xmlns:mc="http://schemas.openxmlformats.org/markup-compatibility/2006">
-        <mc:Choice xmlns:a14="http://schemas.microsoft.com/office/drawing/2010/main" Requires="a14">
+      <mc:AlternateContent xmlns:mc="http://schemas.openxmlformats.org/markup-compatibility/2006" xmlns:a14="http://schemas.microsoft.com/office/drawing/2010/main">
+        <mc:Choice Requires="a14">
           <p:sp>
             <p:nvSpPr>
               <p:cNvPr id="3" name="Content Placeholder 2"/>
@@ -12308,17 +12802,32 @@
                       <m:t>=</m:t>
                     </m:r>
                     <m:r>
-                      <a:rPr lang="en-US" i="1" dirty="0">
+                      <a:rPr lang="en-US" b="0" i="1" smtClean="0">
                         <a:latin typeface="Cambria Math" panose="02040503050406030204" pitchFamily="18" charset="0"/>
+                        <a:ea typeface="Cambria Math" panose="02040503050406030204" pitchFamily="18" charset="0"/>
                       </a:rPr>
                       <m:t>𝑐</m:t>
                     </m:r>
                     <m:r>
-                      <a:rPr lang="en-US" i="1" dirty="0" smtClean="0">
+                      <a:rPr lang="en-US" b="0" i="1" smtClean="0">
                         <a:latin typeface="Cambria Math" panose="02040503050406030204" pitchFamily="18" charset="0"/>
                         <a:ea typeface="Cambria Math" panose="02040503050406030204" pitchFamily="18" charset="0"/>
                       </a:rPr>
-                      <m:t>×</m:t>
+                      <m:t> </m:t>
+                    </m:r>
+                    <m:r>
+                      <a:rPr lang="en-US" b="0" i="1" smtClean="0">
+                        <a:latin typeface="Cambria Math" panose="02040503050406030204" pitchFamily="18" charset="0"/>
+                        <a:ea typeface="Cambria Math" panose="02040503050406030204" pitchFamily="18" charset="0"/>
+                      </a:rPr>
+                      <m:t>𝑥</m:t>
+                    </m:r>
+                    <m:r>
+                      <a:rPr lang="en-US" b="0" i="1" smtClean="0">
+                        <a:latin typeface="Cambria Math" panose="02040503050406030204" pitchFamily="18" charset="0"/>
+                        <a:ea typeface="Cambria Math" panose="02040503050406030204" pitchFamily="18" charset="0"/>
+                      </a:rPr>
+                      <m:t> </m:t>
                     </m:r>
                     <m:r>
                       <a:rPr lang="en-US" i="1" dirty="0">
@@ -12355,7 +12864,6 @@
                     <m:r>
                       <a:rPr lang="en-US" b="0" i="0" smtClean="0">
                         <a:latin typeface="Cambria Math" panose="02040503050406030204" pitchFamily="18" charset="0"/>
-                        <a:ea typeface="Cambria Math" panose="02040503050406030204" pitchFamily="18" charset="0"/>
                       </a:rPr>
                       <m:t>)</m:t>
                     </m:r>
@@ -12378,7 +12886,7 @@
             </p:txBody>
           </p:sp>
         </mc:Choice>
-        <mc:Fallback>
+        <mc:Fallback xmlns="">
           <p:sp>
             <p:nvSpPr>
               <p:cNvPr id="3" name="Content Placeholder 2"/>
@@ -12390,8 +12898,8 @@
               </p:nvPr>
             </p:nvSpPr>
             <p:spPr>
-              <a:blipFill>
-                <a:blip r:embed="rId2"/>
+              <a:blipFill rotWithShape="0">
+                <a:blip r:embed="rId3"/>
                 <a:stretch>
                   <a:fillRect l="-1424" t="-1744"/>
                 </a:stretch>
@@ -12402,7 +12910,7 @@
               <a:lstStyle/>
               <a:p>
                 <a:r>
-                  <a:rPr lang="en-GB">
+                  <a:rPr lang="en-US">
                     <a:noFill/>
                   </a:rPr>
                   <a:t> </a:t>
@@ -13236,7 +13744,7 @@
             </p:nvSpPr>
             <p:spPr>
               <a:blipFill>
-                <a:blip r:embed="rId2"/>
+                <a:blip r:embed="rId3"/>
                 <a:stretch>
                   <a:fillRect l="-1627" t="-2051" r="-68" b="-718"/>
                 </a:stretch>
@@ -13257,6 +13765,142 @@
           </p:sp>
         </mc:Fallback>
       </mc:AlternateContent>
+      <p:sp>
+        <p:nvSpPr>
+          <p:cNvPr id="4" name="Rectangle 3"/>
+          <p:cNvSpPr/>
+          <p:nvPr/>
+        </p:nvSpPr>
+        <p:spPr>
+          <a:xfrm>
+            <a:off x="3897086" y="914400"/>
+            <a:ext cx="3439885" cy="500743"/>
+          </a:xfrm>
+          <a:prstGeom prst="rect">
+            <a:avLst/>
+          </a:prstGeom>
+        </p:spPr>
+        <p:style>
+          <a:lnRef idx="2">
+            <a:schemeClr val="accent1">
+              <a:shade val="50000"/>
+            </a:schemeClr>
+          </a:lnRef>
+          <a:fillRef idx="1">
+            <a:schemeClr val="accent1"/>
+          </a:fillRef>
+          <a:effectRef idx="0">
+            <a:schemeClr val="accent1"/>
+          </a:effectRef>
+          <a:fontRef idx="minor">
+            <a:schemeClr val="lt1"/>
+          </a:fontRef>
+        </p:style>
+        <p:txBody>
+          <a:bodyPr rtlCol="0" anchor="ctr"/>
+          <a:lstStyle/>
+          <a:p>
+            <a:pPr algn="ctr"/>
+            <a:r>
+              <a:rPr lang="en-US" dirty="0" smtClean="0"/>
+              <a:t>Conditional probability</a:t>
+            </a:r>
+            <a:endParaRPr lang="en-US" dirty="0"/>
+          </a:p>
+        </p:txBody>
+      </p:sp>
+      <p:sp>
+        <p:nvSpPr>
+          <p:cNvPr id="5" name="Rectangle 4"/>
+          <p:cNvSpPr/>
+          <p:nvPr/>
+        </p:nvSpPr>
+        <p:spPr>
+          <a:xfrm>
+            <a:off x="6117772" y="1752600"/>
+            <a:ext cx="3439885" cy="500743"/>
+          </a:xfrm>
+          <a:prstGeom prst="rect">
+            <a:avLst/>
+          </a:prstGeom>
+        </p:spPr>
+        <p:style>
+          <a:lnRef idx="2">
+            <a:schemeClr val="accent1">
+              <a:shade val="50000"/>
+            </a:schemeClr>
+          </a:lnRef>
+          <a:fillRef idx="1">
+            <a:schemeClr val="accent1"/>
+          </a:fillRef>
+          <a:effectRef idx="0">
+            <a:schemeClr val="accent1"/>
+          </a:effectRef>
+          <a:fontRef idx="minor">
+            <a:schemeClr val="lt1"/>
+          </a:fontRef>
+        </p:style>
+        <p:txBody>
+          <a:bodyPr rtlCol="0" anchor="ctr"/>
+          <a:lstStyle/>
+          <a:p>
+            <a:pPr algn="ctr"/>
+            <a:r>
+              <a:rPr lang="en-US" dirty="0" smtClean="0"/>
+              <a:t>Marginal probability</a:t>
+            </a:r>
+            <a:endParaRPr lang="en-US" dirty="0"/>
+          </a:p>
+        </p:txBody>
+      </p:sp>
+      <p:sp>
+        <p:nvSpPr>
+          <p:cNvPr id="6" name="Rectangle 5"/>
+          <p:cNvSpPr/>
+          <p:nvPr/>
+        </p:nvSpPr>
+        <p:spPr>
+          <a:xfrm>
+            <a:off x="-979714" y="1752600"/>
+            <a:ext cx="3439885" cy="500743"/>
+          </a:xfrm>
+          <a:prstGeom prst="rect">
+            <a:avLst/>
+          </a:prstGeom>
+        </p:spPr>
+        <p:style>
+          <a:lnRef idx="2">
+            <a:schemeClr val="accent1">
+              <a:shade val="50000"/>
+            </a:schemeClr>
+          </a:lnRef>
+          <a:fillRef idx="1">
+            <a:schemeClr val="accent1"/>
+          </a:fillRef>
+          <a:effectRef idx="0">
+            <a:schemeClr val="accent1"/>
+          </a:effectRef>
+          <a:fontRef idx="minor">
+            <a:schemeClr val="lt1"/>
+          </a:fontRef>
+        </p:style>
+        <p:txBody>
+          <a:bodyPr rtlCol="0" anchor="ctr"/>
+          <a:lstStyle/>
+          <a:p>
+            <a:pPr algn="ctr"/>
+            <a:r>
+              <a:rPr lang="en-US" dirty="0" smtClean="0"/>
+              <a:t>Joint </a:t>
+            </a:r>
+            <a:r>
+              <a:rPr lang="en-US" dirty="0" err="1" smtClean="0"/>
+              <a:t>probabiltiy</a:t>
+            </a:r>
+            <a:endParaRPr lang="en-US" dirty="0"/>
+          </a:p>
+        </p:txBody>
+      </p:sp>
     </p:spTree>
     <p:extLst>
       <p:ext uri="{BB962C8B-B14F-4D97-AF65-F5344CB8AC3E}">
@@ -13765,7 +14409,7 @@
             </p:nvSpPr>
             <p:spPr>
               <a:blipFill>
-                <a:blip r:embed="rId2"/>
+                <a:blip r:embed="rId3"/>
                 <a:stretch>
                   <a:fillRect l="-1763" t="-1333"/>
                 </a:stretch>
@@ -13857,7 +14501,7 @@
             <p:spPr/>
             <p:txBody>
               <a:bodyPr>
-                <a:normAutofit fontScale="85000" lnSpcReduction="20000"/>
+                <a:normAutofit fontScale="92500" lnSpcReduction="10000"/>
               </a:bodyPr>
               <a:lstStyle/>
               <a:p>
@@ -14251,231 +14895,219 @@
                 <a:pPr marL="0" indent="0">
                   <a:buNone/>
                 </a:pPr>
+                <a:r>
+                  <a:rPr lang="en-US" dirty="0" smtClean="0">
+                    <a:ea typeface="Cambria Math" panose="02040503050406030204" pitchFamily="18" charset="0"/>
+                  </a:rPr>
+                  <a:t>		Log(</a:t>
+                </a:r>
                 <a14:m>
-                  <m:oMathPara xmlns:m="http://schemas.openxmlformats.org/officeDocument/2006/math">
-                    <m:oMathParaPr>
-                      <m:jc m:val="centerGroup"/>
-                    </m:oMathParaPr>
-                    <m:oMath xmlns:m="http://schemas.openxmlformats.org/officeDocument/2006/math">
-                      <m:r>
-                        <m:rPr>
-                          <m:sty m:val="p"/>
-                        </m:rPr>
-                        <a:rPr lang="en-US" b="0" i="0" smtClean="0">
-                          <a:latin typeface="Cambria Math" panose="02040503050406030204" pitchFamily="18" charset="0"/>
-                          <a:ea typeface="Cambria Math" panose="02040503050406030204" pitchFamily="18" charset="0"/>
-                        </a:rPr>
-                        <m:t>log</m:t>
-                      </m:r>
-                      <m:r>
-                        <a:rPr lang="en-US" b="0" i="1" smtClean="0">
-                          <a:latin typeface="Cambria Math" panose="02040503050406030204" pitchFamily="18" charset="0"/>
-                          <a:ea typeface="Cambria Math" panose="02040503050406030204" pitchFamily="18" charset="0"/>
-                        </a:rPr>
-                        <m:t>⁡(</m:t>
-                      </m:r>
-                      <m:r>
-                        <a:rPr lang="en-US" i="1">
-                          <a:latin typeface="Cambria Math" panose="02040503050406030204" pitchFamily="18" charset="0"/>
-                          <a:ea typeface="Cambria Math" panose="02040503050406030204" pitchFamily="18" charset="0"/>
-                        </a:rPr>
-                        <m:t>𝐿</m:t>
-                      </m:r>
-                      <m:d>
-                        <m:dPr>
-                          <m:ctrlPr>
-                            <a:rPr lang="en-US" i="1">
-                              <a:latin typeface="Cambria Math" panose="02040503050406030204" pitchFamily="18" charset="0"/>
-                              <a:ea typeface="Cambria Math" panose="02040503050406030204" pitchFamily="18" charset="0"/>
-                            </a:rPr>
-                          </m:ctrlPr>
-                        </m:dPr>
-                        <m:e>
-                          <m:r>
-                            <a:rPr lang="en-US" b="1" i="0">
-                              <a:latin typeface="Cambria Math" panose="02040503050406030204" pitchFamily="18" charset="0"/>
-                              <a:ea typeface="Cambria Math" panose="02040503050406030204" pitchFamily="18" charset="0"/>
-                            </a:rPr>
-                            <m:t>𝛉</m:t>
-                          </m:r>
-                          <m:r>
-                            <a:rPr lang="en-US" b="0" i="1" smtClean="0">
-                              <a:latin typeface="Cambria Math" panose="02040503050406030204" pitchFamily="18" charset="0"/>
-                              <a:ea typeface="Cambria Math" panose="02040503050406030204" pitchFamily="18" charset="0"/>
-                            </a:rPr>
-                            <m:t>;</m:t>
-                          </m:r>
-                          <m:r>
-                            <a:rPr lang="en-US" b="1">
-                              <a:latin typeface="Cambria Math" panose="02040503050406030204" pitchFamily="18" charset="0"/>
-                            </a:rPr>
-                            <m:t>𝐲</m:t>
-                          </m:r>
-                        </m:e>
-                      </m:d>
-                      <m:r>
-                        <a:rPr lang="en-US" b="0" i="1" smtClean="0">
-                          <a:latin typeface="Cambria Math" panose="02040503050406030204" pitchFamily="18" charset="0"/>
-                          <a:ea typeface="Cambria Math" panose="02040503050406030204" pitchFamily="18" charset="0"/>
-                        </a:rPr>
-                        <m:t>)</m:t>
-                      </m:r>
-                      <m:r>
-                        <a:rPr lang="en-US" i="1">
-                          <a:latin typeface="Cambria Math" panose="02040503050406030204" pitchFamily="18" charset="0"/>
-                          <a:ea typeface="Cambria Math" panose="02040503050406030204" pitchFamily="18" charset="0"/>
-                        </a:rPr>
-                        <m:t>=</m:t>
-                      </m:r>
-                      <m:nary>
-                        <m:naryPr>
-                          <m:chr m:val="∑"/>
-                          <m:ctrlPr>
-                            <a:rPr lang="en-US" i="1">
-                              <a:latin typeface="Cambria Math" panose="02040503050406030204" pitchFamily="18" charset="0"/>
-                              <a:ea typeface="Cambria Math" panose="02040503050406030204" pitchFamily="18" charset="0"/>
-                            </a:rPr>
-                          </m:ctrlPr>
-                        </m:naryPr>
-                        <m:sub>
-                          <m:r>
-                            <m:rPr>
-                              <m:brk m:alnAt="23"/>
-                            </m:rPr>
-                            <a:rPr lang="en-US" i="1">
-                              <a:latin typeface="Cambria Math" panose="02040503050406030204" pitchFamily="18" charset="0"/>
-                              <a:ea typeface="Cambria Math" panose="02040503050406030204" pitchFamily="18" charset="0"/>
-                            </a:rPr>
-                            <m:t>𝑖</m:t>
-                          </m:r>
-                          <m:r>
-                            <a:rPr lang="en-US" i="1">
-                              <a:latin typeface="Cambria Math" panose="02040503050406030204" pitchFamily="18" charset="0"/>
-                              <a:ea typeface="Cambria Math" panose="02040503050406030204" pitchFamily="18" charset="0"/>
-                            </a:rPr>
-                            <m:t>=1</m:t>
-                          </m:r>
-                        </m:sub>
-                        <m:sup>
-                          <m:sSub>
-                            <m:sSubPr>
-                              <m:ctrlPr>
-                                <a:rPr lang="en-US" i="1">
-                                  <a:latin typeface="Cambria Math" panose="02040503050406030204" pitchFamily="18" charset="0"/>
-                                  <a:ea typeface="Cambria Math" panose="02040503050406030204" pitchFamily="18" charset="0"/>
-                                </a:rPr>
-                              </m:ctrlPr>
-                            </m:sSubPr>
-                            <m:e>
-                              <m:r>
-                                <a:rPr lang="en-US" i="1">
-                                  <a:latin typeface="Cambria Math" panose="02040503050406030204" pitchFamily="18" charset="0"/>
-                                  <a:ea typeface="Cambria Math" panose="02040503050406030204" pitchFamily="18" charset="0"/>
-                                </a:rPr>
-                                <m:t>𝑛</m:t>
-                              </m:r>
-                            </m:e>
-                            <m:sub>
-                              <m:r>
-                                <a:rPr lang="en-US" i="1">
-                                  <a:latin typeface="Cambria Math" panose="02040503050406030204" pitchFamily="18" charset="0"/>
-                                  <a:ea typeface="Cambria Math" panose="02040503050406030204" pitchFamily="18" charset="0"/>
-                                </a:rPr>
-                                <m:t>𝑖</m:t>
-                              </m:r>
-                            </m:sub>
-                          </m:sSub>
-                        </m:sup>
-                        <m:e>
-                          <m:r>
-                            <m:rPr>
-                              <m:sty m:val="p"/>
-                            </m:rPr>
-                            <a:rPr lang="en-US" b="0" i="0" smtClean="0">
-                              <a:latin typeface="Cambria Math" panose="02040503050406030204" pitchFamily="18" charset="0"/>
-                              <a:ea typeface="Cambria Math" panose="02040503050406030204" pitchFamily="18" charset="0"/>
-                            </a:rPr>
-                            <m:t>log</m:t>
-                          </m:r>
-                          <m:r>
-                            <a:rPr lang="en-US" b="0" i="1" smtClean="0">
-                              <a:latin typeface="Cambria Math" panose="02040503050406030204" pitchFamily="18" charset="0"/>
-                              <a:ea typeface="Cambria Math" panose="02040503050406030204" pitchFamily="18" charset="0"/>
-                            </a:rPr>
-                            <m:t>⁡(</m:t>
-                          </m:r>
-                          <m:r>
-                            <a:rPr lang="en-US" i="1">
-                              <a:latin typeface="Cambria Math" panose="02040503050406030204" pitchFamily="18" charset="0"/>
-                              <a:ea typeface="Cambria Math" panose="02040503050406030204" pitchFamily="18" charset="0"/>
-                            </a:rPr>
-                            <m:t>𝐿</m:t>
-                          </m:r>
-                          <m:d>
-                            <m:dPr>
-                              <m:ctrlPr>
-                                <a:rPr lang="en-US" i="1">
-                                  <a:latin typeface="Cambria Math" panose="02040503050406030204" pitchFamily="18" charset="0"/>
-                                  <a:ea typeface="Cambria Math" panose="02040503050406030204" pitchFamily="18" charset="0"/>
-                                </a:rPr>
-                              </m:ctrlPr>
-                            </m:dPr>
-                            <m:e>
-                              <m:r>
-                                <a:rPr lang="en-US" b="1">
-                                  <a:latin typeface="Cambria Math" panose="02040503050406030204" pitchFamily="18" charset="0"/>
-                                  <a:ea typeface="Cambria Math" panose="02040503050406030204" pitchFamily="18" charset="0"/>
-                                </a:rPr>
-                                <m:t>𝛉</m:t>
-                              </m:r>
-                              <m:r>
-                                <a:rPr lang="en-US" b="0" i="1" smtClean="0">
-                                  <a:latin typeface="Cambria Math" panose="02040503050406030204" pitchFamily="18" charset="0"/>
-                                  <a:ea typeface="Cambria Math" panose="02040503050406030204" pitchFamily="18" charset="0"/>
-                                </a:rPr>
-                                <m:t>;</m:t>
-                              </m:r>
-                              <m:sSub>
-                                <m:sSubPr>
-                                  <m:ctrlPr>
-                                    <a:rPr lang="en-US" i="1">
-                                      <a:latin typeface="Cambria Math" panose="02040503050406030204" pitchFamily="18" charset="0"/>
-                                      <a:ea typeface="Cambria Math" panose="02040503050406030204" pitchFamily="18" charset="0"/>
-                                    </a:rPr>
-                                  </m:ctrlPr>
-                                </m:sSubPr>
-                                <m:e>
-                                  <m:r>
-                                    <a:rPr lang="en-US" b="0" i="1" smtClean="0">
-                                      <a:latin typeface="Cambria Math" panose="02040503050406030204" pitchFamily="18" charset="0"/>
-                                      <a:ea typeface="Cambria Math" panose="02040503050406030204" pitchFamily="18" charset="0"/>
-                                    </a:rPr>
-                                    <m:t>𝑦</m:t>
-                                  </m:r>
-                                </m:e>
-                                <m:sub>
-                                  <m:r>
-                                    <a:rPr lang="en-US" i="1">
-                                      <a:latin typeface="Cambria Math" panose="02040503050406030204" pitchFamily="18" charset="0"/>
-                                      <a:ea typeface="Cambria Math" panose="02040503050406030204" pitchFamily="18" charset="0"/>
-                                    </a:rPr>
-                                    <m:t>𝑖</m:t>
-                                  </m:r>
-                                </m:sub>
-                              </m:sSub>
-                            </m:e>
-                          </m:d>
-                          <m:r>
-                            <a:rPr lang="en-US" b="0" i="1" smtClean="0">
-                              <a:latin typeface="Cambria Math" panose="02040503050406030204" pitchFamily="18" charset="0"/>
-                              <a:ea typeface="Cambria Math" panose="02040503050406030204" pitchFamily="18" charset="0"/>
-                            </a:rPr>
-                            <m:t>)</m:t>
-                          </m:r>
-                        </m:e>
-                      </m:nary>
-                    </m:oMath>
-                  </m:oMathPara>
+                  <m:oMath xmlns:m="http://schemas.openxmlformats.org/officeDocument/2006/math">
+                    <m:r>
+                      <a:rPr lang="en-US" i="1">
+                        <a:latin typeface="Cambria Math" panose="02040503050406030204" pitchFamily="18" charset="0"/>
+                        <a:ea typeface="Cambria Math" panose="02040503050406030204" pitchFamily="18" charset="0"/>
+                      </a:rPr>
+                      <m:t>𝐿</m:t>
+                    </m:r>
+                    <m:r>
+                      <a:rPr lang="en-US" i="1">
+                        <a:latin typeface="Cambria Math" panose="02040503050406030204" pitchFamily="18" charset="0"/>
+                        <a:ea typeface="Cambria Math" panose="02040503050406030204" pitchFamily="18" charset="0"/>
+                      </a:rPr>
+                      <m:t>(</m:t>
+                    </m:r>
+                    <m:r>
+                      <a:rPr lang="en-US" b="1" i="0">
+                        <a:latin typeface="Cambria Math" panose="02040503050406030204" pitchFamily="18" charset="0"/>
+                        <a:ea typeface="Cambria Math" panose="02040503050406030204" pitchFamily="18" charset="0"/>
+                      </a:rPr>
+                      <m:t>𝛉</m:t>
+                    </m:r>
+                    <m:r>
+                      <a:rPr lang="en-US" b="0" i="1" smtClean="0">
+                        <a:latin typeface="Cambria Math" panose="02040503050406030204" pitchFamily="18" charset="0"/>
+                        <a:ea typeface="Cambria Math" panose="02040503050406030204" pitchFamily="18" charset="0"/>
+                      </a:rPr>
+                      <m:t>;</m:t>
+                    </m:r>
+                    <m:r>
+                      <a:rPr lang="en-US" b="1">
+                        <a:latin typeface="Cambria Math" panose="02040503050406030204" pitchFamily="18" charset="0"/>
+                      </a:rPr>
+                      <m:t>𝐲</m:t>
+                    </m:r>
+                    <m:r>
+                      <a:rPr lang="en-US" i="1">
+                        <a:latin typeface="Cambria Math" panose="02040503050406030204" pitchFamily="18" charset="0"/>
+                        <a:ea typeface="Cambria Math" panose="02040503050406030204" pitchFamily="18" charset="0"/>
+                      </a:rPr>
+                      <m:t>)</m:t>
+                    </m:r>
+                    <m:r>
+                      <a:rPr lang="en-US" b="0" i="1" smtClean="0">
+                        <a:latin typeface="Cambria Math" panose="02040503050406030204" pitchFamily="18" charset="0"/>
+                        <a:ea typeface="Cambria Math" panose="02040503050406030204" pitchFamily="18" charset="0"/>
+                      </a:rPr>
+                      <m:t>)</m:t>
+                    </m:r>
+                    <m:r>
+                      <a:rPr lang="en-US" i="1">
+                        <a:latin typeface="Cambria Math" panose="02040503050406030204" pitchFamily="18" charset="0"/>
+                        <a:ea typeface="Cambria Math" panose="02040503050406030204" pitchFamily="18" charset="0"/>
+                      </a:rPr>
+                      <m:t>=</m:t>
+                    </m:r>
+                    <m:nary>
+                      <m:naryPr>
+                        <m:chr m:val="∑"/>
+                        <m:ctrlPr>
+                          <a:rPr lang="en-US" i="1">
+                            <a:latin typeface="Cambria Math" panose="02040503050406030204" pitchFamily="18" charset="0"/>
+                            <a:ea typeface="Cambria Math" panose="02040503050406030204" pitchFamily="18" charset="0"/>
+                          </a:rPr>
+                        </m:ctrlPr>
+                      </m:naryPr>
+                      <m:sub>
+                        <m:r>
+                          <m:rPr>
+                            <m:brk m:alnAt="23"/>
+                          </m:rPr>
+                          <a:rPr lang="en-US" i="1">
+                            <a:latin typeface="Cambria Math" panose="02040503050406030204" pitchFamily="18" charset="0"/>
+                            <a:ea typeface="Cambria Math" panose="02040503050406030204" pitchFamily="18" charset="0"/>
+                          </a:rPr>
+                          <m:t>𝑖</m:t>
+                        </m:r>
+                        <m:r>
+                          <a:rPr lang="en-US" i="1">
+                            <a:latin typeface="Cambria Math" panose="02040503050406030204" pitchFamily="18" charset="0"/>
+                            <a:ea typeface="Cambria Math" panose="02040503050406030204" pitchFamily="18" charset="0"/>
+                          </a:rPr>
+                          <m:t>=1</m:t>
+                        </m:r>
+                      </m:sub>
+                      <m:sup>
+                        <m:sSub>
+                          <m:sSubPr>
+                            <m:ctrlPr>
+                              <a:rPr lang="en-US" i="1">
+                                <a:latin typeface="Cambria Math" panose="02040503050406030204" pitchFamily="18" charset="0"/>
+                                <a:ea typeface="Cambria Math" panose="02040503050406030204" pitchFamily="18" charset="0"/>
+                              </a:rPr>
+                            </m:ctrlPr>
+                          </m:sSubPr>
+                          <m:e>
+                            <m:r>
+                              <a:rPr lang="en-US" i="1">
+                                <a:latin typeface="Cambria Math" panose="02040503050406030204" pitchFamily="18" charset="0"/>
+                                <a:ea typeface="Cambria Math" panose="02040503050406030204" pitchFamily="18" charset="0"/>
+                              </a:rPr>
+                              <m:t>𝑛</m:t>
+                            </m:r>
+                          </m:e>
+                          <m:sub>
+                            <m:r>
+                              <a:rPr lang="en-US" i="1">
+                                <a:latin typeface="Cambria Math" panose="02040503050406030204" pitchFamily="18" charset="0"/>
+                                <a:ea typeface="Cambria Math" panose="02040503050406030204" pitchFamily="18" charset="0"/>
+                              </a:rPr>
+                              <m:t>𝑖</m:t>
+                            </m:r>
+                          </m:sub>
+                        </m:sSub>
+                      </m:sup>
+                      <m:e>
+                        <m:r>
+                          <m:rPr>
+                            <m:sty m:val="p"/>
+                          </m:rPr>
+                          <a:rPr lang="en-US" b="0" i="0" smtClean="0">
+                            <a:latin typeface="Cambria Math" panose="02040503050406030204" pitchFamily="18" charset="0"/>
+                            <a:ea typeface="Cambria Math" panose="02040503050406030204" pitchFamily="18" charset="0"/>
+                          </a:rPr>
+                          <m:t>log</m:t>
+                        </m:r>
+                        <m:r>
+                          <a:rPr lang="en-US" b="0" i="1" smtClean="0">
+                            <a:latin typeface="Cambria Math" panose="02040503050406030204" pitchFamily="18" charset="0"/>
+                            <a:ea typeface="Cambria Math" panose="02040503050406030204" pitchFamily="18" charset="0"/>
+                          </a:rPr>
+                          <m:t>⁡(</m:t>
+                        </m:r>
+                        <m:r>
+                          <a:rPr lang="en-US" i="1">
+                            <a:latin typeface="Cambria Math" panose="02040503050406030204" pitchFamily="18" charset="0"/>
+                            <a:ea typeface="Cambria Math" panose="02040503050406030204" pitchFamily="18" charset="0"/>
+                          </a:rPr>
+                          <m:t>𝐿</m:t>
+                        </m:r>
+                        <m:r>
+                          <a:rPr lang="en-US" i="1">
+                            <a:latin typeface="Cambria Math" panose="02040503050406030204" pitchFamily="18" charset="0"/>
+                            <a:ea typeface="Cambria Math" panose="02040503050406030204" pitchFamily="18" charset="0"/>
+                          </a:rPr>
+                          <m:t>(</m:t>
+                        </m:r>
+                        <m:r>
+                          <a:rPr lang="en-US" b="1">
+                            <a:latin typeface="Cambria Math" panose="02040503050406030204" pitchFamily="18" charset="0"/>
+                            <a:ea typeface="Cambria Math" panose="02040503050406030204" pitchFamily="18" charset="0"/>
+                          </a:rPr>
+                          <m:t>𝛉</m:t>
+                        </m:r>
+                        <m:r>
+                          <a:rPr lang="en-US" b="0" i="1" smtClean="0">
+                            <a:latin typeface="Cambria Math" panose="02040503050406030204" pitchFamily="18" charset="0"/>
+                            <a:ea typeface="Cambria Math" panose="02040503050406030204" pitchFamily="18" charset="0"/>
+                          </a:rPr>
+                          <m:t>;</m:t>
+                        </m:r>
+                        <m:sSub>
+                          <m:sSubPr>
+                            <m:ctrlPr>
+                              <a:rPr lang="en-US" i="1">
+                                <a:latin typeface="Cambria Math" panose="02040503050406030204" pitchFamily="18" charset="0"/>
+                                <a:ea typeface="Cambria Math" panose="02040503050406030204" pitchFamily="18" charset="0"/>
+                              </a:rPr>
+                            </m:ctrlPr>
+                          </m:sSubPr>
+                          <m:e>
+                            <m:r>
+                              <a:rPr lang="en-US" b="0" i="1" smtClean="0">
+                                <a:latin typeface="Cambria Math" panose="02040503050406030204" pitchFamily="18" charset="0"/>
+                                <a:ea typeface="Cambria Math" panose="02040503050406030204" pitchFamily="18" charset="0"/>
+                              </a:rPr>
+                              <m:t>𝑦</m:t>
+                            </m:r>
+                          </m:e>
+                          <m:sub>
+                            <m:r>
+                              <a:rPr lang="en-US" i="1">
+                                <a:latin typeface="Cambria Math" panose="02040503050406030204" pitchFamily="18" charset="0"/>
+                                <a:ea typeface="Cambria Math" panose="02040503050406030204" pitchFamily="18" charset="0"/>
+                              </a:rPr>
+                              <m:t>𝑖</m:t>
+                            </m:r>
+                          </m:sub>
+                        </m:sSub>
+                        <m:r>
+                          <a:rPr lang="en-US" i="1">
+                            <a:latin typeface="Cambria Math" panose="02040503050406030204" pitchFamily="18" charset="0"/>
+                            <a:ea typeface="Cambria Math" panose="02040503050406030204" pitchFamily="18" charset="0"/>
+                          </a:rPr>
+                          <m:t>)</m:t>
+                        </m:r>
+                      </m:e>
+                    </m:nary>
+                    <m:r>
+                      <a:rPr lang="en-US" b="0" i="1" smtClean="0">
+                        <a:latin typeface="Cambria Math" panose="02040503050406030204" pitchFamily="18" charset="0"/>
+                        <a:ea typeface="Cambria Math" panose="02040503050406030204" pitchFamily="18" charset="0"/>
+                      </a:rPr>
+                      <m:t>)</m:t>
+                    </m:r>
+                  </m:oMath>
                 </a14:m>
                 <a:endParaRPr lang="en-US" dirty="0"/>
               </a:p>
@@ -14664,62 +15296,60 @@
                                 </a:rPr>
                                 <m:t>𝐿</m:t>
                               </m:r>
-                              <m:r>
-                                <a:rPr lang="en-US" i="1">
-                                  <a:latin typeface="Cambria Math" panose="02040503050406030204" pitchFamily="18" charset="0"/>
-                                  <a:ea typeface="Cambria Math" panose="02040503050406030204" pitchFamily="18" charset="0"/>
-                                </a:rPr>
-                                <m:t>(</m:t>
-                              </m:r>
-                              <m:r>
-                                <a:rPr lang="en-US" b="1">
-                                  <a:latin typeface="Cambria Math" panose="02040503050406030204" pitchFamily="18" charset="0"/>
-                                  <a:ea typeface="Cambria Math" panose="02040503050406030204" pitchFamily="18" charset="0"/>
-                                </a:rPr>
-                                <m:t>𝛉</m:t>
-                              </m:r>
-                              <m:r>
-                                <a:rPr lang="en-US" i="1">
-                                  <a:latin typeface="Cambria Math" panose="02040503050406030204" pitchFamily="18" charset="0"/>
-                                  <a:ea typeface="Cambria Math" panose="02040503050406030204" pitchFamily="18" charset="0"/>
-                                </a:rPr>
-                                <m:t>;</m:t>
-                              </m:r>
-                              <m:sSub>
-                                <m:sSubPr>
+                              <m:d>
+                                <m:dPr>
                                   <m:ctrlPr>
                                     <a:rPr lang="en-US" i="1">
                                       <a:latin typeface="Cambria Math" panose="02040503050406030204" pitchFamily="18" charset="0"/>
                                       <a:ea typeface="Cambria Math" panose="02040503050406030204" pitchFamily="18" charset="0"/>
                                     </a:rPr>
                                   </m:ctrlPr>
-                                </m:sSubPr>
+                                </m:dPr>
                                 <m:e>
                                   <m:r>
-                                    <a:rPr lang="en-US" b="0" i="1" smtClean="0">
+                                    <a:rPr lang="en-US" b="1">
                                       <a:latin typeface="Cambria Math" panose="02040503050406030204" pitchFamily="18" charset="0"/>
                                       <a:ea typeface="Cambria Math" panose="02040503050406030204" pitchFamily="18" charset="0"/>
                                     </a:rPr>
-                                    <m:t>𝑦</m:t>
+                                    <m:t>𝛉</m:t>
                                   </m:r>
-                                </m:e>
-                                <m:sub>
                                   <m:r>
                                     <a:rPr lang="en-US" i="1">
                                       <a:latin typeface="Cambria Math" panose="02040503050406030204" pitchFamily="18" charset="0"/>
                                       <a:ea typeface="Cambria Math" panose="02040503050406030204" pitchFamily="18" charset="0"/>
                                     </a:rPr>
-                                    <m:t>𝑖</m:t>
+                                    <m:t>;</m:t>
                                   </m:r>
-                                </m:sub>
-                              </m:sSub>
-                              <m:r>
-                                <a:rPr lang="en-US" i="1">
-                                  <a:latin typeface="Cambria Math" panose="02040503050406030204" pitchFamily="18" charset="0"/>
-                                  <a:ea typeface="Cambria Math" panose="02040503050406030204" pitchFamily="18" charset="0"/>
-                                </a:rPr>
-                                <m:t>)</m:t>
-                              </m:r>
+                                  <m:sSub>
+                                    <m:sSubPr>
+                                      <m:ctrlPr>
+                                        <a:rPr lang="en-US" i="1">
+                                          <a:latin typeface="Cambria Math" panose="02040503050406030204" pitchFamily="18" charset="0"/>
+                                          <a:ea typeface="Cambria Math" panose="02040503050406030204" pitchFamily="18" charset="0"/>
+                                        </a:rPr>
+                                      </m:ctrlPr>
+                                    </m:sSubPr>
+                                    <m:e>
+                                      <m:r>
+                                        <a:rPr lang="en-US" b="0" i="1" smtClean="0">
+                                          <a:latin typeface="Cambria Math" panose="02040503050406030204" pitchFamily="18" charset="0"/>
+                                          <a:ea typeface="Cambria Math" panose="02040503050406030204" pitchFamily="18" charset="0"/>
+                                        </a:rPr>
+                                        <m:t>𝑦</m:t>
+                                      </m:r>
+                                    </m:e>
+                                    <m:sub>
+                                      <m:r>
+                                        <a:rPr lang="en-US" i="1">
+                                          <a:latin typeface="Cambria Math" panose="02040503050406030204" pitchFamily="18" charset="0"/>
+                                          <a:ea typeface="Cambria Math" panose="02040503050406030204" pitchFamily="18" charset="0"/>
+                                        </a:rPr>
+                                        <m:t>𝑖</m:t>
+                                      </m:r>
+                                    </m:sub>
+                                  </m:sSub>
+                                </m:e>
+                              </m:d>
                               <m:r>
                                 <a:rPr lang="en-US" b="0" i="1" smtClean="0">
                                   <a:latin typeface="Cambria Math" panose="02040503050406030204" pitchFamily="18" charset="0"/>
@@ -14757,10 +15387,10 @@
               </p:nvPr>
             </p:nvSpPr>
             <p:spPr>
-              <a:blipFill>
-                <a:blip r:embed="rId2"/>
+              <a:blipFill rotWithShape="0">
+                <a:blip r:embed="rId3"/>
                 <a:stretch>
-                  <a:fillRect l="-949" t="-1949"/>
+                  <a:fillRect l="-1085" t="-1641"/>
                 </a:stretch>
               </a:blipFill>
             </p:spPr>
@@ -14769,7 +15399,7 @@
               <a:lstStyle/>
               <a:p>
                 <a:r>
-                  <a:rPr lang="en-GB">
+                  <a:rPr lang="en-US">
                     <a:noFill/>
                   </a:rPr>
                   <a:t> </a:t>
